--- a/Consumer Goods Ad-hoc Insights .pptx
+++ b/Consumer Goods Ad-hoc Insights .pptx
@@ -58,7 +58,7 @@
       <p:italic r:id="rId35"/>
     </p:embeddedFont>
     <p:embeddedFont>
-      <p:font typeface="PT Sans" panose="020F0502020204030204" pitchFamily="34" charset="0"/>
+      <p:font typeface="PT Sans" panose="020B0503020203020204" pitchFamily="34" charset="0"/>
       <p:regular r:id="rId36"/>
       <p:bold r:id="rId37"/>
       <p:italic r:id="rId38"/>
